--- a/docs/Presentation/PR_Presentation_DirectProd.pptx
+++ b/docs/Presentation/PR_Presentation_DirectProd.pptx
@@ -229,7 +229,7 @@
           <a:p>
             <a:fld id="{E31C8BA4-983A-40D1-9D08-AD4BB1DCA518}" type="datetimeFigureOut">
               <a:rPr lang="fr-CH" smtClean="0"/>
-              <a:t>06.06.2019</a:t>
+              <a:t>11.06.2019</a:t>
             </a:fld>
             <a:endParaRPr lang="fr-CH"/>
           </a:p>
@@ -630,7 +630,7 @@
           <a:p>
             <a:r>
               <a:rPr lang="fr-CH" dirty="0"/>
-              <a:t>J’ai rendu les vues dynamique</a:t>
+              <a:t>évolution</a:t>
             </a:r>
           </a:p>
         </p:txBody>
@@ -652,7 +652,7 @@
           <a:p>
             <a:fld id="{8ABB8600-00C5-41E3-BA44-919D657AC4DA}" type="slidenum">
               <a:rPr lang="fr-CH" smtClean="0"/>
-              <a:t>12</a:t>
+              <a:t>11</a:t>
             </a:fld>
             <a:endParaRPr lang="fr-CH"/>
           </a:p>
@@ -661,7 +661,7 @@
     </p:spTree>
     <p:extLst>
       <p:ext uri="{BB962C8B-B14F-4D97-AF65-F5344CB8AC3E}">
-        <p14:creationId xmlns:p14="http://schemas.microsoft.com/office/powerpoint/2010/main" val="1391675989"/>
+        <p14:creationId xmlns:p14="http://schemas.microsoft.com/office/powerpoint/2010/main" val="442996249"/>
       </p:ext>
     </p:extLst>
   </p:cSld>
@@ -717,41 +717,8 @@
           <a:p>
             <a:r>
               <a:rPr lang="fr-CH" dirty="0"/>
-              <a:t>Document contenant toutes les fonctions pour les annonces</a:t>
-            </a:r>
-          </a:p>
-          <a:p>
-            <a:r>
-              <a:rPr lang="fr-CH" dirty="0"/>
-              <a:t>Objets de la recherche bien spécifiés pas *</a:t>
-            </a:r>
-          </a:p>
-          <a:p>
-            <a:r>
-              <a:rPr lang="fr-CH" dirty="0"/>
-              <a:t>Try catch</a:t>
-            </a:r>
-          </a:p>
-          <a:p>
-            <a:r>
-              <a:rPr lang="fr-CH" dirty="0"/>
-              <a:t>Tant que la qu’il y a quelque chose en retour</a:t>
-            </a:r>
-          </a:p>
-          <a:p>
-            <a:r>
-              <a:rPr lang="fr-CH" dirty="0"/>
-              <a:t>On créé un objet «Annonce» avec les éléments</a:t>
-            </a:r>
-          </a:p>
-          <a:p>
-            <a:r>
-              <a:rPr lang="fr-CH" dirty="0"/>
-              <a:t>On retourne le tableau</a:t>
-            </a:r>
-          </a:p>
-          <a:p>
-            <a:endParaRPr lang="fr-CH" dirty="0"/>
+              <a:t>J’ai rendu les vues dynamique</a:t>
+            </a:r>
           </a:p>
         </p:txBody>
       </p:sp>
@@ -772,7 +739,7 @@
           <a:p>
             <a:fld id="{8ABB8600-00C5-41E3-BA44-919D657AC4DA}" type="slidenum">
               <a:rPr lang="fr-CH" smtClean="0"/>
-              <a:t>13</a:t>
+              <a:t>12</a:t>
             </a:fld>
             <a:endParaRPr lang="fr-CH"/>
           </a:p>
@@ -781,7 +748,7 @@
     </p:spTree>
     <p:extLst>
       <p:ext uri="{BB962C8B-B14F-4D97-AF65-F5344CB8AC3E}">
-        <p14:creationId xmlns:p14="http://schemas.microsoft.com/office/powerpoint/2010/main" val="3914146168"/>
+        <p14:creationId xmlns:p14="http://schemas.microsoft.com/office/powerpoint/2010/main" val="1391675989"/>
       </p:ext>
     </p:extLst>
   </p:cSld>
@@ -837,26 +804,13 @@
           <a:p>
             <a:r>
               <a:rPr lang="fr-CH" dirty="0"/>
-              <a:t>Récupération des annonces -&gt; vu précédemment</a:t>
-            </a:r>
-          </a:p>
-          <a:p>
-            <a:r>
-              <a:rPr lang="fr-CH" dirty="0"/>
-              <a:t>Test en cas d’appuie sur le bouton de recherche</a:t>
-            </a:r>
-          </a:p>
-          <a:p>
-            <a:r>
-              <a:rPr lang="fr-CH" dirty="0"/>
-              <a:t>Récupération des champs de recherche</a:t>
-            </a:r>
-          </a:p>
-          <a:p>
-            <a:r>
-              <a:rPr lang="fr-CH" dirty="0"/>
-              <a:t>Si bien rempli -&gt; on effectue la recherche -&gt; affichage d’une message en conséquence </a:t>
-            </a:r>
+              <a:t>J’ai utilisé une classe conteneur pour avoir une structure de données personnel en cas ou ma base de données change mon code ne sera pas affecté car je gère à ma manière </a:t>
+            </a:r>
+            <a:r>
+              <a:rPr lang="fr-CH"/>
+              <a:t>les données</a:t>
+            </a:r>
+            <a:endParaRPr lang="fr-CH" dirty="0"/>
           </a:p>
         </p:txBody>
       </p:sp>
@@ -877,7 +831,7 @@
           <a:p>
             <a:fld id="{8ABB8600-00C5-41E3-BA44-919D657AC4DA}" type="slidenum">
               <a:rPr lang="fr-CH" smtClean="0"/>
-              <a:t>14</a:t>
+              <a:t>13</a:t>
             </a:fld>
             <a:endParaRPr lang="fr-CH"/>
           </a:p>
@@ -886,7 +840,7 @@
     </p:spTree>
     <p:extLst>
       <p:ext uri="{BB962C8B-B14F-4D97-AF65-F5344CB8AC3E}">
-        <p14:creationId xmlns:p14="http://schemas.microsoft.com/office/powerpoint/2010/main" val="3419856206"/>
+        <p14:creationId xmlns:p14="http://schemas.microsoft.com/office/powerpoint/2010/main" val="3914146168"/>
       </p:ext>
     </p:extLst>
   </p:cSld>
@@ -942,6 +896,111 @@
           <a:p>
             <a:r>
               <a:rPr lang="fr-CH" dirty="0"/>
+              <a:t>Récupération des annonces -&gt; vu précédemment</a:t>
+            </a:r>
+          </a:p>
+          <a:p>
+            <a:r>
+              <a:rPr lang="fr-CH" dirty="0"/>
+              <a:t>Test en cas d’appuie sur le bouton de recherche</a:t>
+            </a:r>
+          </a:p>
+          <a:p>
+            <a:r>
+              <a:rPr lang="fr-CH" dirty="0"/>
+              <a:t>Récupération des champs de recherche</a:t>
+            </a:r>
+          </a:p>
+          <a:p>
+            <a:r>
+              <a:rPr lang="fr-CH" dirty="0"/>
+              <a:t>Si bien rempli -&gt; on effectue la recherche -&gt; affichage d’une message en conséquence </a:t>
+            </a:r>
+          </a:p>
+        </p:txBody>
+      </p:sp>
+      <p:sp>
+        <p:nvSpPr>
+          <p:cNvPr id="4" name="Espace réservé du numéro de diapositive 3"/>
+          <p:cNvSpPr>
+            <a:spLocks noGrp="1"/>
+          </p:cNvSpPr>
+          <p:nvPr>
+            <p:ph type="sldNum" sz="quarter" idx="5"/>
+          </p:nvPr>
+        </p:nvSpPr>
+        <p:spPr/>
+        <p:txBody>
+          <a:bodyPr/>
+          <a:lstStyle/>
+          <a:p>
+            <a:fld id="{8ABB8600-00C5-41E3-BA44-919D657AC4DA}" type="slidenum">
+              <a:rPr lang="fr-CH" smtClean="0"/>
+              <a:t>14</a:t>
+            </a:fld>
+            <a:endParaRPr lang="fr-CH"/>
+          </a:p>
+        </p:txBody>
+      </p:sp>
+    </p:spTree>
+    <p:extLst>
+      <p:ext uri="{BB962C8B-B14F-4D97-AF65-F5344CB8AC3E}">
+        <p14:creationId xmlns:p14="http://schemas.microsoft.com/office/powerpoint/2010/main" val="3419856206"/>
+      </p:ext>
+    </p:extLst>
+  </p:cSld>
+  <p:clrMapOvr>
+    <a:masterClrMapping/>
+  </p:clrMapOvr>
+</p:notes>
+</file>
+
+<file path=ppt/notesSlides/notesSlide6.xml><?xml version="1.0" encoding="utf-8"?>
+<p:notes xmlns:a="http://schemas.openxmlformats.org/drawingml/2006/main" xmlns:r="http://schemas.openxmlformats.org/officeDocument/2006/relationships" xmlns:p="http://schemas.openxmlformats.org/presentationml/2006/main">
+  <p:cSld>
+    <p:spTree>
+      <p:nvGrpSpPr>
+        <p:cNvPr id="1" name=""/>
+        <p:cNvGrpSpPr/>
+        <p:nvPr/>
+      </p:nvGrpSpPr>
+      <p:grpSpPr>
+        <a:xfrm>
+          <a:off x="0" y="0"/>
+          <a:ext cx="0" cy="0"/>
+          <a:chOff x="0" y="0"/>
+          <a:chExt cx="0" cy="0"/>
+        </a:xfrm>
+      </p:grpSpPr>
+      <p:sp>
+        <p:nvSpPr>
+          <p:cNvPr id="2" name="Espace réservé de l'image des diapositives 1"/>
+          <p:cNvSpPr>
+            <a:spLocks noGrp="1" noRot="1" noChangeAspect="1"/>
+          </p:cNvSpPr>
+          <p:nvPr>
+            <p:ph type="sldImg"/>
+          </p:nvPr>
+        </p:nvSpPr>
+        <p:spPr/>
+      </p:sp>
+      <p:sp>
+        <p:nvSpPr>
+          <p:cNvPr id="3" name="Espace réservé des notes 2"/>
+          <p:cNvSpPr>
+            <a:spLocks noGrp="1"/>
+          </p:cNvSpPr>
+          <p:nvPr>
+            <p:ph type="body" idx="1"/>
+          </p:nvPr>
+        </p:nvSpPr>
+        <p:spPr/>
+        <p:txBody>
+          <a:bodyPr/>
+          <a:lstStyle/>
+          <a:p>
+            <a:r>
+              <a:rPr lang="fr-CH" dirty="0"/>
               <a:t>Exemple page principale -&gt; affichage annonce</a:t>
             </a:r>
           </a:p>
@@ -1011,6 +1070,97 @@
     <p:extLst>
       <p:ext uri="{BB962C8B-B14F-4D97-AF65-F5344CB8AC3E}">
         <p14:creationId xmlns:p14="http://schemas.microsoft.com/office/powerpoint/2010/main" val="3636663179"/>
+      </p:ext>
+    </p:extLst>
+  </p:cSld>
+  <p:clrMapOvr>
+    <a:masterClrMapping/>
+  </p:clrMapOvr>
+</p:notes>
+</file>
+
+<file path=ppt/notesSlides/notesSlide7.xml><?xml version="1.0" encoding="utf-8"?>
+<p:notes xmlns:a="http://schemas.openxmlformats.org/drawingml/2006/main" xmlns:r="http://schemas.openxmlformats.org/officeDocument/2006/relationships" xmlns:p="http://schemas.openxmlformats.org/presentationml/2006/main">
+  <p:cSld>
+    <p:spTree>
+      <p:nvGrpSpPr>
+        <p:cNvPr id="1" name=""/>
+        <p:cNvGrpSpPr/>
+        <p:nvPr/>
+      </p:nvGrpSpPr>
+      <p:grpSpPr>
+        <a:xfrm>
+          <a:off x="0" y="0"/>
+          <a:ext cx="0" cy="0"/>
+          <a:chOff x="0" y="0"/>
+          <a:chExt cx="0" cy="0"/>
+        </a:xfrm>
+      </p:grpSpPr>
+      <p:sp>
+        <p:nvSpPr>
+          <p:cNvPr id="2" name="Espace réservé de l'image des diapositives 1"/>
+          <p:cNvSpPr>
+            <a:spLocks noGrp="1" noRot="1" noChangeAspect="1"/>
+          </p:cNvSpPr>
+          <p:nvPr>
+            <p:ph type="sldImg"/>
+          </p:nvPr>
+        </p:nvSpPr>
+        <p:spPr/>
+      </p:sp>
+      <p:sp>
+        <p:nvSpPr>
+          <p:cNvPr id="3" name="Espace réservé des notes 2"/>
+          <p:cNvSpPr>
+            <a:spLocks noGrp="1"/>
+          </p:cNvSpPr>
+          <p:nvPr>
+            <p:ph type="body" idx="1"/>
+          </p:nvPr>
+        </p:nvSpPr>
+        <p:spPr/>
+        <p:txBody>
+          <a:bodyPr/>
+          <a:lstStyle/>
+          <a:p>
+            <a:r>
+              <a:rPr lang="fr-CH" dirty="0"/>
+              <a:t>Si trop d’annonces ou d’utilisateurs il faut descendre longtemps pour arriver à ce que </a:t>
+            </a:r>
+            <a:r>
+              <a:rPr lang="fr-CH"/>
+              <a:t>l’on cherche</a:t>
+            </a:r>
+          </a:p>
+        </p:txBody>
+      </p:sp>
+      <p:sp>
+        <p:nvSpPr>
+          <p:cNvPr id="4" name="Espace réservé du numéro de diapositive 3"/>
+          <p:cNvSpPr>
+            <a:spLocks noGrp="1"/>
+          </p:cNvSpPr>
+          <p:nvPr>
+            <p:ph type="sldNum" sz="quarter" idx="5"/>
+          </p:nvPr>
+        </p:nvSpPr>
+        <p:spPr/>
+        <p:txBody>
+          <a:bodyPr/>
+          <a:lstStyle/>
+          <a:p>
+            <a:fld id="{8ABB8600-00C5-41E3-BA44-919D657AC4DA}" type="slidenum">
+              <a:rPr lang="fr-CH" smtClean="0"/>
+              <a:t>19</a:t>
+            </a:fld>
+            <a:endParaRPr lang="fr-CH"/>
+          </a:p>
+        </p:txBody>
+      </p:sp>
+    </p:spTree>
+    <p:extLst>
+      <p:ext uri="{BB962C8B-B14F-4D97-AF65-F5344CB8AC3E}">
+        <p14:creationId xmlns:p14="http://schemas.microsoft.com/office/powerpoint/2010/main" val="49915395"/>
       </p:ext>
     </p:extLst>
   </p:cSld>
@@ -1233,7 +1383,7 @@
           <a:p>
             <a:fld id="{C3DC1788-B5AE-46B1-9AFE-83A2AABE3E46}" type="datetime1">
               <a:rPr lang="fr-CH" smtClean="0"/>
-              <a:t>06.06.2019</a:t>
+              <a:t>11.06.2019</a:t>
             </a:fld>
             <a:endParaRPr lang="fr-CH"/>
           </a:p>
@@ -1524,7 +1674,7 @@
           <a:p>
             <a:fld id="{B11F185D-B3AB-4757-8492-D38CABAA7CC9}" type="datetime1">
               <a:rPr lang="fr-CH" smtClean="0"/>
-              <a:t>06.06.2019</a:t>
+              <a:t>11.06.2019</a:t>
             </a:fld>
             <a:endParaRPr lang="fr-CH"/>
           </a:p>
@@ -1783,7 +1933,7 @@
           <a:p>
             <a:fld id="{ACCB33FB-A563-46DF-BCF0-36F0B4CEDF6C}" type="datetime1">
               <a:rPr lang="fr-CH" smtClean="0"/>
-              <a:t>06.06.2019</a:t>
+              <a:t>11.06.2019</a:t>
             </a:fld>
             <a:endParaRPr lang="fr-CH"/>
           </a:p>
@@ -2252,7 +2402,7 @@
           <a:p>
             <a:fld id="{E2220185-A639-496B-92A3-7923B0AEA2FF}" type="datetime1">
               <a:rPr lang="fr-CH" smtClean="0"/>
-              <a:t>06.06.2019</a:t>
+              <a:t>11.06.2019</a:t>
             </a:fld>
             <a:endParaRPr lang="fr-CH"/>
           </a:p>
@@ -2432,7 +2582,7 @@
           <a:p>
             <a:fld id="{008AC141-A7E8-427E-87DA-643D188E962B}" type="datetime1">
               <a:rPr lang="fr-CH" smtClean="0"/>
-              <a:t>06.06.2019</a:t>
+              <a:t>11.06.2019</a:t>
             </a:fld>
             <a:endParaRPr lang="fr-CH"/>
           </a:p>
@@ -3008,7 +3158,7 @@
           <a:p>
             <a:fld id="{29C96FC9-DA04-4D06-9BDD-5219C994C8E2}" type="datetime1">
               <a:rPr lang="fr-CH" smtClean="0"/>
-              <a:t>06.06.2019</a:t>
+              <a:t>11.06.2019</a:t>
             </a:fld>
             <a:endParaRPr lang="fr-CH"/>
           </a:p>
@@ -3340,7 +3490,7 @@
           <a:p>
             <a:fld id="{6FC6FB13-D78F-4222-81DF-A32CB329DA67}" type="datetime1">
               <a:rPr lang="fr-CH" smtClean="0"/>
-              <a:t>06.06.2019</a:t>
+              <a:t>11.06.2019</a:t>
             </a:fld>
             <a:endParaRPr lang="fr-CH"/>
           </a:p>
@@ -3515,7 +3665,7 @@
           <a:p>
             <a:fld id="{D2D33030-825E-456E-8993-135BC4F331FC}" type="datetime1">
               <a:rPr lang="fr-CH" smtClean="0"/>
-              <a:t>06.06.2019</a:t>
+              <a:t>11.06.2019</a:t>
             </a:fld>
             <a:endParaRPr lang="fr-CH"/>
           </a:p>
@@ -3695,7 +3845,7 @@
           <a:p>
             <a:fld id="{E0E4DC41-541E-4AD1-BAC5-9B3692E9761A}" type="datetime1">
               <a:rPr lang="fr-CH" smtClean="0"/>
-              <a:t>06.06.2019</a:t>
+              <a:t>11.06.2019</a:t>
             </a:fld>
             <a:endParaRPr lang="fr-CH"/>
           </a:p>
@@ -3865,7 +4015,7 @@
           <a:p>
             <a:fld id="{C58AFB55-353C-452D-8C0D-8F024866A87A}" type="datetime1">
               <a:rPr lang="fr-CH" smtClean="0"/>
-              <a:t>06.06.2019</a:t>
+              <a:t>11.06.2019</a:t>
             </a:fld>
             <a:endParaRPr lang="fr-CH"/>
           </a:p>
@@ -4122,7 +4272,7 @@
           <a:p>
             <a:fld id="{597846E4-D4E1-4998-8764-33C7C3DD4D89}" type="datetime1">
               <a:rPr lang="fr-CH" smtClean="0"/>
-              <a:t>06.06.2019</a:t>
+              <a:t>11.06.2019</a:t>
             </a:fld>
             <a:endParaRPr lang="fr-CH"/>
           </a:p>
@@ -4414,7 +4564,7 @@
           <a:p>
             <a:fld id="{4DBE4AC1-8C48-4210-9607-0B39144D8802}" type="datetime1">
               <a:rPr lang="fr-CH" smtClean="0"/>
-              <a:t>06.06.2019</a:t>
+              <a:t>11.06.2019</a:t>
             </a:fld>
             <a:endParaRPr lang="fr-CH"/>
           </a:p>
@@ -4844,7 +4994,7 @@
           <a:p>
             <a:fld id="{E07321CE-341E-4B27-AB99-56D160DA6258}" type="datetime1">
               <a:rPr lang="fr-CH" smtClean="0"/>
-              <a:t>06.06.2019</a:t>
+              <a:t>11.06.2019</a:t>
             </a:fld>
             <a:endParaRPr lang="fr-CH"/>
           </a:p>
@@ -4962,7 +5112,7 @@
           <a:p>
             <a:fld id="{EA2270FA-1E4D-4F1D-B739-6380615A80A1}" type="datetime1">
               <a:rPr lang="fr-CH" smtClean="0"/>
-              <a:t>06.06.2019</a:t>
+              <a:t>11.06.2019</a:t>
             </a:fld>
             <a:endParaRPr lang="fr-CH"/>
           </a:p>
@@ -5057,7 +5207,7 @@
           <a:p>
             <a:fld id="{0107629C-735B-45DE-8C21-34B6E9C2FFCC}" type="datetime1">
               <a:rPr lang="fr-CH" smtClean="0"/>
-              <a:t>06.06.2019</a:t>
+              <a:t>11.06.2019</a:t>
             </a:fld>
             <a:endParaRPr lang="fr-CH"/>
           </a:p>
@@ -5340,7 +5490,7 @@
           <a:p>
             <a:fld id="{39CE7364-5694-44DE-9304-B029A2D0F78D}" type="datetime1">
               <a:rPr lang="fr-CH" smtClean="0"/>
-              <a:t>06.06.2019</a:t>
+              <a:t>11.06.2019</a:t>
             </a:fld>
             <a:endParaRPr lang="fr-CH"/>
           </a:p>
@@ -5631,7 +5781,7 @@
           <a:p>
             <a:fld id="{AA0288B5-1BEF-4730-9F23-89306470AE68}" type="datetime1">
               <a:rPr lang="fr-CH" smtClean="0"/>
-              <a:t>06.06.2019</a:t>
+              <a:t>11.06.2019</a:t>
             </a:fld>
             <a:endParaRPr lang="fr-CH"/>
           </a:p>
@@ -5882,7 +6032,7 @@
           <a:p>
             <a:fld id="{290353D7-178F-4DB0-81A2-9F547C43BCF2}" type="datetime1">
               <a:rPr lang="fr-CH" smtClean="0"/>
-              <a:t>06.06.2019</a:t>
+              <a:t>11.06.2019</a:t>
             </a:fld>
             <a:endParaRPr lang="fr-CH"/>
           </a:p>
@@ -6921,7 +7071,7 @@
           <p:nvPr/>
         </p:nvPicPr>
         <p:blipFill>
-          <a:blip r:embed="rId2">
+          <a:blip r:embed="rId3">
             <a:extLst>
               <a:ext uri="{28A0092B-C50C-407E-A947-70E740481C1C}">
                 <a14:useLocalDpi xmlns:a14="http://schemas.microsoft.com/office/drawing/2010/main" val="0"/>
@@ -6981,7 +7131,7 @@
           <p:nvPr/>
         </p:nvPicPr>
         <p:blipFill>
-          <a:blip r:embed="rId3">
+          <a:blip r:embed="rId4">
             <a:extLst>
               <a:ext uri="{28A0092B-C50C-407E-A947-70E740481C1C}">
                 <a14:useLocalDpi xmlns:a14="http://schemas.microsoft.com/office/drawing/2010/main" val="0"/>
@@ -7187,7 +7337,7 @@
           <a:p>
             <a:r>
               <a:rPr lang="fr-CH" sz="2500" dirty="0"/>
-              <a:t>Reprise des vues</a:t>
+              <a:t>Rendu des vues dynamiques</a:t>
             </a:r>
           </a:p>
           <a:p>
@@ -7755,8 +7905,8 @@
         </p:nvSpPr>
         <p:spPr>
           <a:xfrm>
-            <a:off x="1141412" y="215797"/>
-            <a:ext cx="9905998" cy="1905000"/>
+            <a:off x="1159181" y="33034"/>
+            <a:ext cx="9905998" cy="1153131"/>
           </a:xfrm>
         </p:spPr>
         <p:txBody>
@@ -7829,8 +7979,8 @@
         </p:blipFill>
         <p:spPr>
           <a:xfrm>
-            <a:off x="2115312" y="1755673"/>
-            <a:ext cx="7958199" cy="4886530"/>
+            <a:off x="1126821" y="932154"/>
+            <a:ext cx="9508628" cy="5838531"/>
           </a:xfrm>
         </p:spPr>
       </p:pic>
@@ -7882,8 +8032,8 @@
         </p:nvSpPr>
         <p:spPr>
           <a:xfrm>
-            <a:off x="1141412" y="215797"/>
-            <a:ext cx="9905998" cy="1905000"/>
+            <a:off x="1159181" y="155439"/>
+            <a:ext cx="9905998" cy="630073"/>
           </a:xfrm>
         </p:spPr>
         <p:txBody>
@@ -7956,45 +8106,11 @@
         </p:blipFill>
         <p:spPr>
           <a:xfrm>
-            <a:off x="2515980" y="1757003"/>
-            <a:ext cx="7160039" cy="4885200"/>
+            <a:off x="1126821" y="785512"/>
+            <a:ext cx="9055866" cy="5950677"/>
           </a:xfrm>
         </p:spPr>
       </p:pic>
-      <p:sp>
-        <p:nvSpPr>
-          <p:cNvPr id="8" name="Rectangle 7">
-            <a:extLst>
-              <a:ext uri="{FF2B5EF4-FFF2-40B4-BE49-F238E27FC236}">
-                <a16:creationId xmlns:a16="http://schemas.microsoft.com/office/drawing/2014/main" id="{1C3C4971-1069-49FD-BFE5-7E550CA0056D}"/>
-              </a:ext>
-            </a:extLst>
-          </p:cNvPr>
-          <p:cNvSpPr/>
-          <p:nvPr/>
-        </p:nvSpPr>
-        <p:spPr>
-          <a:xfrm>
-            <a:off x="5500324" y="3244334"/>
-            <a:ext cx="1191352" cy="369332"/>
-          </a:xfrm>
-          <a:prstGeom prst="rect">
-            <a:avLst/>
-          </a:prstGeom>
-        </p:spPr>
-        <p:txBody>
-          <a:bodyPr wrap="none">
-            <a:spAutoFit/>
-          </a:bodyPr>
-          <a:lstStyle/>
-          <a:p>
-            <a:r>
-              <a:rPr lang="fr-CH" dirty="0"/>
-              <a:t>13,57 cm</a:t>
-            </a:r>
-          </a:p>
-        </p:txBody>
-      </p:sp>
     </p:spTree>
     <p:extLst>
       <p:ext uri="{BB962C8B-B14F-4D97-AF65-F5344CB8AC3E}">
@@ -8172,7 +8288,7 @@
           <a:p>
             <a:r>
               <a:rPr lang="fr-CH" sz="3000" dirty="0"/>
-              <a:t>Envoie d’un email lors de la validation</a:t>
+              <a:t>Envoie d’un email lors de la validation / suppression</a:t>
             </a:r>
           </a:p>
           <a:p>
@@ -9502,7 +9618,7 @@
                   </a:outerShdw>
                 </a:effectLst>
               </a:rPr>
-              <a:t>Il existe trois niveau d’habilitation</a:t>
+              <a:t>Il existe trois niveaux d’habilitation</a:t>
             </a:r>
           </a:p>
           <a:p>

--- a/docs/Presentation/PR_Presentation_DirectProd.pptx
+++ b/docs/Presentation/PR_Presentation_DirectProd.pptx
@@ -543,7 +543,15 @@
           <a:p>
             <a:r>
               <a:rPr lang="fr-CH" dirty="0"/>
-              <a:t>Produit bio et non bio</a:t>
+              <a:t>Comment j’ai </a:t>
+            </a:r>
+            <a:r>
+              <a:rPr lang="fr-CH" dirty="0" err="1"/>
+              <a:t>sctructuré</a:t>
+            </a:r>
+            <a:r>
+              <a:rPr lang="fr-CH" dirty="0"/>
+              <a:t> mon appli</a:t>
             </a:r>
           </a:p>
         </p:txBody>
@@ -565,7 +573,7 @@
           <a:p>
             <a:fld id="{8ABB8600-00C5-41E3-BA44-919D657AC4DA}" type="slidenum">
               <a:rPr lang="fr-CH" smtClean="0"/>
-              <a:t>4</a:t>
+              <a:t>3</a:t>
             </a:fld>
             <a:endParaRPr lang="fr-CH"/>
           </a:p>
@@ -574,7 +582,7 @@
     </p:spTree>
     <p:extLst>
       <p:ext uri="{BB962C8B-B14F-4D97-AF65-F5344CB8AC3E}">
-        <p14:creationId xmlns:p14="http://schemas.microsoft.com/office/powerpoint/2010/main" val="282626928"/>
+        <p14:creationId xmlns:p14="http://schemas.microsoft.com/office/powerpoint/2010/main" val="3339522153"/>
       </p:ext>
     </p:extLst>
   </p:cSld>
@@ -630,7 +638,7 @@
           <a:p>
             <a:r>
               <a:rPr lang="fr-CH" dirty="0"/>
-              <a:t>évolution</a:t>
+              <a:t>Produit bio et non bio</a:t>
             </a:r>
           </a:p>
         </p:txBody>
@@ -652,7 +660,7 @@
           <a:p>
             <a:fld id="{8ABB8600-00C5-41E3-BA44-919D657AC4DA}" type="slidenum">
               <a:rPr lang="fr-CH" smtClean="0"/>
-              <a:t>11</a:t>
+              <a:t>4</a:t>
             </a:fld>
             <a:endParaRPr lang="fr-CH"/>
           </a:p>
@@ -661,7 +669,7 @@
     </p:spTree>
     <p:extLst>
       <p:ext uri="{BB962C8B-B14F-4D97-AF65-F5344CB8AC3E}">
-        <p14:creationId xmlns:p14="http://schemas.microsoft.com/office/powerpoint/2010/main" val="442996249"/>
+        <p14:creationId xmlns:p14="http://schemas.microsoft.com/office/powerpoint/2010/main" val="282626928"/>
       </p:ext>
     </p:extLst>
   </p:cSld>
@@ -717,7 +725,7 @@
           <a:p>
             <a:r>
               <a:rPr lang="fr-CH" dirty="0"/>
-              <a:t>J’ai rendu les vues dynamique</a:t>
+              <a:t>évolution</a:t>
             </a:r>
           </a:p>
         </p:txBody>
@@ -739,7 +747,7 @@
           <a:p>
             <a:fld id="{8ABB8600-00C5-41E3-BA44-919D657AC4DA}" type="slidenum">
               <a:rPr lang="fr-CH" smtClean="0"/>
-              <a:t>12</a:t>
+              <a:t>11</a:t>
             </a:fld>
             <a:endParaRPr lang="fr-CH"/>
           </a:p>
@@ -748,7 +756,7 @@
     </p:spTree>
     <p:extLst>
       <p:ext uri="{BB962C8B-B14F-4D97-AF65-F5344CB8AC3E}">
-        <p14:creationId xmlns:p14="http://schemas.microsoft.com/office/powerpoint/2010/main" val="1391675989"/>
+        <p14:creationId xmlns:p14="http://schemas.microsoft.com/office/powerpoint/2010/main" val="442996249"/>
       </p:ext>
     </p:extLst>
   </p:cSld>
@@ -804,13 +812,8 @@
           <a:p>
             <a:r>
               <a:rPr lang="fr-CH" dirty="0"/>
-              <a:t>J’ai utilisé une classe conteneur pour avoir une structure de données personnel en cas ou ma base de données change mon code ne sera pas affecté car je gère à ma manière </a:t>
-            </a:r>
-            <a:r>
-              <a:rPr lang="fr-CH"/>
-              <a:t>les données</a:t>
-            </a:r>
-            <a:endParaRPr lang="fr-CH" dirty="0"/>
+              <a:t>J’ai rendu les vues dynamique</a:t>
+            </a:r>
           </a:p>
         </p:txBody>
       </p:sp>
@@ -831,7 +834,7 @@
           <a:p>
             <a:fld id="{8ABB8600-00C5-41E3-BA44-919D657AC4DA}" type="slidenum">
               <a:rPr lang="fr-CH" smtClean="0"/>
-              <a:t>13</a:t>
+              <a:t>12</a:t>
             </a:fld>
             <a:endParaRPr lang="fr-CH"/>
           </a:p>
@@ -840,7 +843,7 @@
     </p:spTree>
     <p:extLst>
       <p:ext uri="{BB962C8B-B14F-4D97-AF65-F5344CB8AC3E}">
-        <p14:creationId xmlns:p14="http://schemas.microsoft.com/office/powerpoint/2010/main" val="3914146168"/>
+        <p14:creationId xmlns:p14="http://schemas.microsoft.com/office/powerpoint/2010/main" val="1391675989"/>
       </p:ext>
     </p:extLst>
   </p:cSld>
@@ -896,26 +899,13 @@
           <a:p>
             <a:r>
               <a:rPr lang="fr-CH" dirty="0"/>
-              <a:t>Récupération des annonces -&gt; vu précédemment</a:t>
-            </a:r>
-          </a:p>
-          <a:p>
-            <a:r>
-              <a:rPr lang="fr-CH" dirty="0"/>
-              <a:t>Test en cas d’appuie sur le bouton de recherche</a:t>
-            </a:r>
-          </a:p>
-          <a:p>
-            <a:r>
-              <a:rPr lang="fr-CH" dirty="0"/>
-              <a:t>Récupération des champs de recherche</a:t>
-            </a:r>
-          </a:p>
-          <a:p>
-            <a:r>
-              <a:rPr lang="fr-CH" dirty="0"/>
-              <a:t>Si bien rempli -&gt; on effectue la recherche -&gt; affichage d’une message en conséquence </a:t>
-            </a:r>
+              <a:t>J’ai utilisé une classe conteneur pour avoir une structure de données personnel en cas ou ma base de données change mon code ne sera pas affecté car je gère à ma manière </a:t>
+            </a:r>
+            <a:r>
+              <a:rPr lang="fr-CH"/>
+              <a:t>les données</a:t>
+            </a:r>
+            <a:endParaRPr lang="fr-CH" dirty="0"/>
           </a:p>
         </p:txBody>
       </p:sp>
@@ -936,7 +926,7 @@
           <a:p>
             <a:fld id="{8ABB8600-00C5-41E3-BA44-919D657AC4DA}" type="slidenum">
               <a:rPr lang="fr-CH" smtClean="0"/>
-              <a:t>14</a:t>
+              <a:t>13</a:t>
             </a:fld>
             <a:endParaRPr lang="fr-CH"/>
           </a:p>
@@ -945,7 +935,7 @@
     </p:spTree>
     <p:extLst>
       <p:ext uri="{BB962C8B-B14F-4D97-AF65-F5344CB8AC3E}">
-        <p14:creationId xmlns:p14="http://schemas.microsoft.com/office/powerpoint/2010/main" val="3419856206"/>
+        <p14:creationId xmlns:p14="http://schemas.microsoft.com/office/powerpoint/2010/main" val="3914146168"/>
       </p:ext>
     </p:extLst>
   </p:cSld>
@@ -1001,6 +991,111 @@
           <a:p>
             <a:r>
               <a:rPr lang="fr-CH" dirty="0"/>
+              <a:t>Récupération des annonces -&gt; vu précédemment</a:t>
+            </a:r>
+          </a:p>
+          <a:p>
+            <a:r>
+              <a:rPr lang="fr-CH" dirty="0"/>
+              <a:t>Test en cas d’appuie sur le bouton de recherche</a:t>
+            </a:r>
+          </a:p>
+          <a:p>
+            <a:r>
+              <a:rPr lang="fr-CH" dirty="0"/>
+              <a:t>Récupération des champs de recherche</a:t>
+            </a:r>
+          </a:p>
+          <a:p>
+            <a:r>
+              <a:rPr lang="fr-CH" dirty="0"/>
+              <a:t>Si bien rempli -&gt; on effectue la recherche -&gt; affichage d’une message en conséquence </a:t>
+            </a:r>
+          </a:p>
+        </p:txBody>
+      </p:sp>
+      <p:sp>
+        <p:nvSpPr>
+          <p:cNvPr id="4" name="Espace réservé du numéro de diapositive 3"/>
+          <p:cNvSpPr>
+            <a:spLocks noGrp="1"/>
+          </p:cNvSpPr>
+          <p:nvPr>
+            <p:ph type="sldNum" sz="quarter" idx="5"/>
+          </p:nvPr>
+        </p:nvSpPr>
+        <p:spPr/>
+        <p:txBody>
+          <a:bodyPr/>
+          <a:lstStyle/>
+          <a:p>
+            <a:fld id="{8ABB8600-00C5-41E3-BA44-919D657AC4DA}" type="slidenum">
+              <a:rPr lang="fr-CH" smtClean="0"/>
+              <a:t>14</a:t>
+            </a:fld>
+            <a:endParaRPr lang="fr-CH"/>
+          </a:p>
+        </p:txBody>
+      </p:sp>
+    </p:spTree>
+    <p:extLst>
+      <p:ext uri="{BB962C8B-B14F-4D97-AF65-F5344CB8AC3E}">
+        <p14:creationId xmlns:p14="http://schemas.microsoft.com/office/powerpoint/2010/main" val="3419856206"/>
+      </p:ext>
+    </p:extLst>
+  </p:cSld>
+  <p:clrMapOvr>
+    <a:masterClrMapping/>
+  </p:clrMapOvr>
+</p:notes>
+</file>
+
+<file path=ppt/notesSlides/notesSlide7.xml><?xml version="1.0" encoding="utf-8"?>
+<p:notes xmlns:a="http://schemas.openxmlformats.org/drawingml/2006/main" xmlns:r="http://schemas.openxmlformats.org/officeDocument/2006/relationships" xmlns:p="http://schemas.openxmlformats.org/presentationml/2006/main">
+  <p:cSld>
+    <p:spTree>
+      <p:nvGrpSpPr>
+        <p:cNvPr id="1" name=""/>
+        <p:cNvGrpSpPr/>
+        <p:nvPr/>
+      </p:nvGrpSpPr>
+      <p:grpSpPr>
+        <a:xfrm>
+          <a:off x="0" y="0"/>
+          <a:ext cx="0" cy="0"/>
+          <a:chOff x="0" y="0"/>
+          <a:chExt cx="0" cy="0"/>
+        </a:xfrm>
+      </p:grpSpPr>
+      <p:sp>
+        <p:nvSpPr>
+          <p:cNvPr id="2" name="Espace réservé de l'image des diapositives 1"/>
+          <p:cNvSpPr>
+            <a:spLocks noGrp="1" noRot="1" noChangeAspect="1"/>
+          </p:cNvSpPr>
+          <p:nvPr>
+            <p:ph type="sldImg"/>
+          </p:nvPr>
+        </p:nvSpPr>
+        <p:spPr/>
+      </p:sp>
+      <p:sp>
+        <p:nvSpPr>
+          <p:cNvPr id="3" name="Espace réservé des notes 2"/>
+          <p:cNvSpPr>
+            <a:spLocks noGrp="1"/>
+          </p:cNvSpPr>
+          <p:nvPr>
+            <p:ph type="body" idx="1"/>
+          </p:nvPr>
+        </p:nvSpPr>
+        <p:spPr/>
+        <p:txBody>
+          <a:bodyPr/>
+          <a:lstStyle/>
+          <a:p>
+            <a:r>
+              <a:rPr lang="fr-CH" dirty="0"/>
               <a:t>Exemple page principale -&gt; affichage annonce</a:t>
             </a:r>
           </a:p>
@@ -1079,7 +1174,7 @@
 </p:notes>
 </file>
 
-<file path=ppt/notesSlides/notesSlide7.xml><?xml version="1.0" encoding="utf-8"?>
+<file path=ppt/notesSlides/notesSlide8.xml><?xml version="1.0" encoding="utf-8"?>
 <p:notes xmlns:a="http://schemas.openxmlformats.org/drawingml/2006/main" xmlns:r="http://schemas.openxmlformats.org/officeDocument/2006/relationships" xmlns:p="http://schemas.openxmlformats.org/presentationml/2006/main">
   <p:cSld>
     <p:spTree>
